--- a/ppt/iRex講習会_第3部.pptx
+++ b/ppt/iRex講習会_第3部.pptx
@@ -1708,7 +1708,7 @@
             </a:extLst>
           </p:cNvPr>
           <p:cNvSpPr>
-            <a:spLocks noRot="1" noChangeArrowheads="1" noTextEdit="1"/>
+            <a:spLocks noGrp="1" noRot="1" noChangeAspect="1" noChangeArrowheads="1" noTextEdit="1"/>
           </p:cNvSpPr>
           <p:nvPr>
             <p:ph type="sldImg"/>
@@ -8734,7 +8734,7 @@
           <a:graphicData uri="http://schemas.openxmlformats.org/presentationml/2006/ole">
             <mc:AlternateContent xmlns:mc="http://schemas.openxmlformats.org/markup-compatibility/2006">
               <mc:Choice xmlns:v="urn:schemas-microsoft-com:vml" Requires="v">
-                <p:oleObj spid="_x0000_s1130" name="Corel DESIGNER" r:id="rId18" imgW="2743200" imgH="1536480" progId="Corel DESIGNER.Graphic.10">
+                <p:oleObj spid="_x0000_s1133" name="Corel DESIGNER" r:id="rId18" imgW="2743200" imgH="1536480" progId="Corel DESIGNER.Graphic.10">
                   <p:embed/>
                 </p:oleObj>
               </mc:Choice>
@@ -9260,33 +9260,33 @@
           <a:p>
             <a:pPr algn="l" eaLnBrk="1" hangingPunct="1"/>
             <a:r>
+              <a:rPr lang="ja-JP" altLang="en-US" b="1" dirty="0"/>
+              <a:t>第</a:t>
+            </a:r>
+            <a:r>
+              <a:rPr lang="en-US" altLang="ja-JP" b="1" dirty="0"/>
+              <a:t>3</a:t>
+            </a:r>
+            <a:r>
+              <a:rPr lang="ja-JP" altLang="en-US" b="1" dirty="0"/>
+              <a:t>部</a:t>
+            </a:r>
+            <a:br>
+              <a:rPr lang="en-US" altLang="ja-JP" b="1" dirty="0"/>
+            </a:br>
+            <a:r>
+              <a:rPr lang="en-US" altLang="ja-JP" b="1" dirty="0"/>
+              <a:t>RT</a:t>
+            </a:r>
+            <a:r>
               <a:rPr lang="ja-JP" altLang="en-US" b="1"/>
-              <a:t>第</a:t>
-            </a:r>
-            <a:r>
-              <a:rPr lang="en-US" altLang="ja-JP" b="1"/>
-              <a:t>2</a:t>
-            </a:r>
-            <a:r>
-              <a:rPr lang="ja-JP" altLang="en-US" b="1"/>
-              <a:t>部</a:t>
-            </a:r>
-            <a:br>
-              <a:rPr lang="en-US" altLang="ja-JP" b="1"/>
-            </a:br>
-            <a:r>
-              <a:rPr lang="en-US" altLang="ja-JP" b="1"/>
-              <a:t>RT</a:t>
-            </a:r>
-            <a:r>
-              <a:rPr lang="ja-JP" altLang="en-US" b="1"/>
-              <a:t>コンポーネント作成入門</a:t>
-            </a:r>
-            <a:r>
-              <a:rPr lang="ja-JP" altLang="en-US"/>
+              <a:t>システム構築実習</a:t>
+            </a:r>
+            <a:r>
+              <a:rPr lang="ja-JP" altLang="en-US" dirty="0"/>
               <a:t> </a:t>
             </a:r>
-            <a:endParaRPr lang="ja-JP" altLang="en-US" sz="3600">
+            <a:endParaRPr lang="ja-JP" altLang="en-US" sz="3600" dirty="0">
               <a:solidFill>
                 <a:srgbClr val="5F5F5F"/>
               </a:solidFill>

--- a/ppt/iRex講習会_第3部.pptx
+++ b/ppt/iRex講習会_第3部.pptx
@@ -8734,7 +8734,7 @@
           <a:graphicData uri="http://schemas.openxmlformats.org/presentationml/2006/ole">
             <mc:AlternateContent xmlns:mc="http://schemas.openxmlformats.org/markup-compatibility/2006">
               <mc:Choice xmlns:v="urn:schemas-microsoft-com:vml" Requires="v">
-                <p:oleObj spid="_x0000_s1133" name="Corel DESIGNER" r:id="rId18" imgW="2743200" imgH="1536480" progId="Corel DESIGNER.Graphic.10">
+                <p:oleObj spid="_x0000_s1134" name="Corel DESIGNER" r:id="rId18" imgW="2743200" imgH="1536480" progId="Corel DESIGNER.Graphic.10">
                   <p:embed/>
                 </p:oleObj>
               </mc:Choice>
@@ -12928,10 +12928,10 @@
       </p:sp>
       <p:pic>
         <p:nvPicPr>
-          <p:cNvPr id="2" name="図 1">
+          <p:cNvPr id="3" name="図 2">
             <a:extLst>
               <a:ext uri="{FF2B5EF4-FFF2-40B4-BE49-F238E27FC236}">
-                <a16:creationId xmlns:a16="http://schemas.microsoft.com/office/drawing/2014/main" id="{2EA4EBDF-F85D-42EC-8837-B547A91CEEC0}"/>
+                <a16:creationId xmlns:a16="http://schemas.microsoft.com/office/drawing/2014/main" id="{87FA6787-F374-4459-AE40-383F5029BE68}"/>
               </a:ext>
             </a:extLst>
           </p:cNvPr>
@@ -12948,8 +12948,8 @@
         </p:blipFill>
         <p:spPr>
           <a:xfrm>
-            <a:off x="228350" y="4143935"/>
-            <a:ext cx="8687299" cy="1810489"/>
+            <a:off x="190501" y="4240344"/>
+            <a:ext cx="8805862" cy="1530543"/>
           </a:xfrm>
           <a:prstGeom prst="rect">
             <a:avLst/>
